--- a/Project On Phishing Sites Prediction.pptx
+++ b/Project On Phishing Sites Prediction.pptx
@@ -12,8 +12,7 @@
     <p:sldId id="262" r:id="rId6"/>
     <p:sldId id="266" r:id="rId7"/>
     <p:sldId id="268" r:id="rId8"/>
-    <p:sldId id="269" r:id="rId9"/>
-    <p:sldId id="267" r:id="rId10"/>
+    <p:sldId id="267" r:id="rId9"/>
   </p:sldIdLst>
   <p:sldSz cx="12192000" cy="6858000"/>
   <p:notesSz cx="6858000" cy="9144000"/>
@@ -295,7 +294,7 @@
           <a:p>
             <a:fld id="{02AC24A9-CCB6-4F8D-B8DB-C2F3692CFA5A}" type="datetimeFigureOut">
               <a:rPr lang="en-US" smtClean="0"/>
-              <a:t>7/26/2020</a:t>
+              <a:t>4/19/2024</a:t>
             </a:fld>
             <a:endParaRPr lang="en-US" dirty="0"/>
           </a:p>
@@ -495,7 +494,7 @@
           <a:p>
             <a:fld id="{02AC24A9-CCB6-4F8D-B8DB-C2F3692CFA5A}" type="datetimeFigureOut">
               <a:rPr lang="en-US" smtClean="0"/>
-              <a:t>7/26/2020</a:t>
+              <a:t>4/19/2024</a:t>
             </a:fld>
             <a:endParaRPr lang="en-US"/>
           </a:p>
@@ -705,7 +704,7 @@
           <a:p>
             <a:fld id="{02AC24A9-CCB6-4F8D-B8DB-C2F3692CFA5A}" type="datetimeFigureOut">
               <a:rPr lang="en-US" smtClean="0"/>
-              <a:t>7/26/2020</a:t>
+              <a:t>4/19/2024</a:t>
             </a:fld>
             <a:endParaRPr lang="en-US"/>
           </a:p>
@@ -905,7 +904,7 @@
           <a:p>
             <a:fld id="{02AC24A9-CCB6-4F8D-B8DB-C2F3692CFA5A}" type="datetimeFigureOut">
               <a:rPr lang="en-US" smtClean="0"/>
-              <a:t>7/26/2020</a:t>
+              <a:t>4/19/2024</a:t>
             </a:fld>
             <a:endParaRPr lang="en-US"/>
           </a:p>
@@ -1181,7 +1180,7 @@
           <a:p>
             <a:fld id="{02AC24A9-CCB6-4F8D-B8DB-C2F3692CFA5A}" type="datetimeFigureOut">
               <a:rPr lang="en-US" smtClean="0"/>
-              <a:t>7/26/2020</a:t>
+              <a:t>4/19/2024</a:t>
             </a:fld>
             <a:endParaRPr lang="en-US"/>
           </a:p>
@@ -1449,7 +1448,7 @@
           <a:p>
             <a:fld id="{02AC24A9-CCB6-4F8D-B8DB-C2F3692CFA5A}" type="datetimeFigureOut">
               <a:rPr lang="en-US" smtClean="0"/>
-              <a:t>7/26/2020</a:t>
+              <a:t>4/19/2024</a:t>
             </a:fld>
             <a:endParaRPr lang="en-US"/>
           </a:p>
@@ -1864,7 +1863,7 @@
           <a:p>
             <a:fld id="{02AC24A9-CCB6-4F8D-B8DB-C2F3692CFA5A}" type="datetimeFigureOut">
               <a:rPr lang="en-US" smtClean="0"/>
-              <a:t>7/26/2020</a:t>
+              <a:t>4/19/2024</a:t>
             </a:fld>
             <a:endParaRPr lang="en-US"/>
           </a:p>
@@ -2006,7 +2005,7 @@
           <a:p>
             <a:fld id="{02AC24A9-CCB6-4F8D-B8DB-C2F3692CFA5A}" type="datetimeFigureOut">
               <a:rPr lang="en-US" smtClean="0"/>
-              <a:t>7/26/2020</a:t>
+              <a:t>4/19/2024</a:t>
             </a:fld>
             <a:endParaRPr lang="en-US"/>
           </a:p>
@@ -2119,7 +2118,7 @@
           <a:p>
             <a:fld id="{02AC24A9-CCB6-4F8D-B8DB-C2F3692CFA5A}" type="datetimeFigureOut">
               <a:rPr lang="en-US" smtClean="0"/>
-              <a:t>7/26/2020</a:t>
+              <a:t>4/19/2024</a:t>
             </a:fld>
             <a:endParaRPr lang="en-US"/>
           </a:p>
@@ -2432,7 +2431,7 @@
           <a:p>
             <a:fld id="{02AC24A9-CCB6-4F8D-B8DB-C2F3692CFA5A}" type="datetimeFigureOut">
               <a:rPr lang="en-US" smtClean="0"/>
-              <a:t>7/26/2020</a:t>
+              <a:t>4/19/2024</a:t>
             </a:fld>
             <a:endParaRPr lang="en-US" dirty="0"/>
           </a:p>
@@ -2721,7 +2720,7 @@
           <a:p>
             <a:fld id="{02AC24A9-CCB6-4F8D-B8DB-C2F3692CFA5A}" type="datetimeFigureOut">
               <a:rPr lang="en-US" smtClean="0"/>
-              <a:t>7/26/2020</a:t>
+              <a:t>4/19/2024</a:t>
             </a:fld>
             <a:endParaRPr lang="en-US"/>
           </a:p>
@@ -2964,7 +2963,7 @@
           <a:p>
             <a:fld id="{02AC24A9-CCB6-4F8D-B8DB-C2F3692CFA5A}" type="datetimeFigureOut">
               <a:rPr lang="en-US" smtClean="0"/>
-              <a:t>7/26/2020</a:t>
+              <a:t>4/19/2024</a:t>
             </a:fld>
             <a:endParaRPr lang="en-US"/>
           </a:p>
@@ -4374,8 +4373,8 @@
         </p:nvSpPr>
         <p:spPr>
           <a:xfrm>
-            <a:off x="4416222" y="3659630"/>
-            <a:ext cx="3312734" cy="1141851"/>
+            <a:off x="3996364" y="3783356"/>
+            <a:ext cx="4199272" cy="1141851"/>
           </a:xfrm>
           <a:noFill/>
         </p:spPr>
@@ -4391,7 +4390,7 @@
                   <a:srgbClr val="080808"/>
                 </a:solidFill>
               </a:rPr>
-              <a:t>By Tarun Tiwari</a:t>
+              <a:t>By Pranav Barthwal &amp; Aditya Singh</a:t>
             </a:r>
           </a:p>
         </p:txBody>
@@ -4431,7 +4430,7 @@
                   <a:srgbClr val="080808"/>
                 </a:solidFill>
               </a:rPr>
-              <a:t>Project On Phishing Sites Predictor </a:t>
+              <a:t>MALICIOUS URL DETECTOR USING CLASSIFICATION AND REGRESSION TREES</a:t>
             </a:r>
           </a:p>
         </p:txBody>
@@ -11698,17 +11697,17 @@
           <a:p>
             <a:r>
               <a:rPr lang="en-US" b="1" dirty="0"/>
-              <a:t>Prediction Good Sites</a:t>
+              <a:t>UI of the Website</a:t>
             </a:r>
           </a:p>
         </p:txBody>
       </p:sp>
       <p:pic>
         <p:nvPicPr>
-          <p:cNvPr id="3" name="Picture 2">
-            <a:extLst>
-              <a:ext uri="{FF2B5EF4-FFF2-40B4-BE49-F238E27FC236}">
-                <a16:creationId xmlns:a16="http://schemas.microsoft.com/office/drawing/2014/main" id="{D3F544B8-34C4-4E66-98D6-A060CDEFC23F}"/>
+          <p:cNvPr id="4" name="Picture 3">
+            <a:extLst>
+              <a:ext uri="{FF2B5EF4-FFF2-40B4-BE49-F238E27FC236}">
+                <a16:creationId xmlns:a16="http://schemas.microsoft.com/office/drawing/2014/main" id="{AFAE0B45-0DD7-CDC9-F554-FF282AF1E663}"/>
               </a:ext>
             </a:extLst>
           </p:cNvPr>
@@ -11731,8 +11730,8 @@
         </p:blipFill>
         <p:spPr>
           <a:xfrm>
-            <a:off x="78259" y="476327"/>
-            <a:ext cx="12035481" cy="6274678"/>
+            <a:off x="532701" y="476327"/>
+            <a:ext cx="11126598" cy="6258711"/>
           </a:xfrm>
           <a:prstGeom prst="rect">
             <a:avLst/>
@@ -11783,119 +11782,6 @@
       </p:grpSpPr>
       <p:sp>
         <p:nvSpPr>
-          <p:cNvPr id="9" name="TextBox 8">
-            <a:extLst>
-              <a:ext uri="{FF2B5EF4-FFF2-40B4-BE49-F238E27FC236}">
-                <a16:creationId xmlns:a16="http://schemas.microsoft.com/office/drawing/2014/main" id="{29929BCB-701B-432D-B8D4-10030515E396}"/>
-              </a:ext>
-            </a:extLst>
-          </p:cNvPr>
-          <p:cNvSpPr txBox="1"/>
-          <p:nvPr/>
-        </p:nvSpPr>
-        <p:spPr>
-          <a:xfrm>
-            <a:off x="179260" y="126628"/>
-            <a:ext cx="5254581" cy="369332"/>
-          </a:xfrm>
-          <a:prstGeom prst="rect">
-            <a:avLst/>
-          </a:prstGeom>
-          <a:noFill/>
-        </p:spPr>
-        <p:txBody>
-          <a:bodyPr wrap="square" rtlCol="0">
-            <a:spAutoFit/>
-          </a:bodyPr>
-          <a:lstStyle/>
-          <a:p>
-            <a:r>
-              <a:rPr lang="en-US" b="1" dirty="0"/>
-              <a:t>Prediction Phishing Site</a:t>
-            </a:r>
-          </a:p>
-        </p:txBody>
-      </p:sp>
-      <p:pic>
-        <p:nvPicPr>
-          <p:cNvPr id="3" name="Picture 2">
-            <a:extLst>
-              <a:ext uri="{FF2B5EF4-FFF2-40B4-BE49-F238E27FC236}">
-                <a16:creationId xmlns:a16="http://schemas.microsoft.com/office/drawing/2014/main" id="{DE1B378E-5030-46EF-8398-F6626AA7C450}"/>
-              </a:ext>
-            </a:extLst>
-          </p:cNvPr>
-          <p:cNvPicPr>
-            <a:picLocks noChangeAspect="1"/>
-          </p:cNvPicPr>
-          <p:nvPr/>
-        </p:nvPicPr>
-        <p:blipFill>
-          <a:blip r:embed="rId2">
-            <a:extLst>
-              <a:ext uri="{28A0092B-C50C-407E-A947-70E740481C1C}">
-                <a14:useLocalDpi xmlns:a14="http://schemas.microsoft.com/office/drawing/2010/main" val="0"/>
-              </a:ext>
-            </a:extLst>
-          </a:blip>
-          <a:stretch>
-            <a:fillRect/>
-          </a:stretch>
-        </p:blipFill>
-        <p:spPr>
-          <a:xfrm>
-            <a:off x="0" y="495960"/>
-            <a:ext cx="12192000" cy="6360366"/>
-          </a:xfrm>
-          <a:prstGeom prst="rect">
-            <a:avLst/>
-          </a:prstGeom>
-        </p:spPr>
-      </p:pic>
-    </p:spTree>
-    <p:extLst>
-      <p:ext uri="{BB962C8B-B14F-4D97-AF65-F5344CB8AC3E}">
-        <p14:creationId xmlns:p14="http://schemas.microsoft.com/office/powerpoint/2010/main" val="1929433342"/>
-      </p:ext>
-    </p:extLst>
-  </p:cSld>
-  <p:clrMapOvr>
-    <a:masterClrMapping/>
-  </p:clrMapOvr>
-  <mc:AlternateContent xmlns:mc="http://schemas.openxmlformats.org/markup-compatibility/2006" xmlns:p15="http://schemas.microsoft.com/office/powerpoint/2012/main">
-    <mc:Choice Requires="p15">
-      <p:transition xmlns:p14="http://schemas.microsoft.com/office/powerpoint/2010/main" spd="slow" p14:dur="2000">
-        <p15:prstTrans prst="crush"/>
-      </p:transition>
-    </mc:Choice>
-    <mc:Fallback xmlns="">
-      <p:transition spd="slow">
-        <p:fade/>
-      </p:transition>
-    </mc:Fallback>
-  </mc:AlternateContent>
-</p:sld>
-</file>
-
-<file path=ppt/slides/slide9.xml><?xml version="1.0" encoding="utf-8"?>
-<p:sld xmlns:a="http://schemas.openxmlformats.org/drawingml/2006/main" xmlns:r="http://schemas.openxmlformats.org/officeDocument/2006/relationships" xmlns:p="http://schemas.openxmlformats.org/presentationml/2006/main">
-  <p:cSld>
-    <p:spTree>
-      <p:nvGrpSpPr>
-        <p:cNvPr id="1" name=""/>
-        <p:cNvGrpSpPr/>
-        <p:nvPr/>
-      </p:nvGrpSpPr>
-      <p:grpSpPr>
-        <a:xfrm>
-          <a:off x="0" y="0"/>
-          <a:ext cx="0" cy="0"/>
-          <a:chOff x="0" y="0"/>
-          <a:chExt cx="0" cy="0"/>
-        </a:xfrm>
-      </p:grpSpPr>
-      <p:sp>
-        <p:nvSpPr>
           <p:cNvPr id="2" name="Title 1">
             <a:extLst>
               <a:ext uri="{FF2B5EF4-FFF2-40B4-BE49-F238E27FC236}">
@@ -11934,7 +11820,7 @@
             </a:br>
             <a:r>
               <a:rPr lang="en-IN" sz="4000" dirty="0"/>
-              <a:t>By Tarun Tiwari</a:t>
+              <a:t>By Pranav Barthwal &amp; Aditya Singh</a:t>
             </a:r>
           </a:p>
         </p:txBody>
